--- a/BTS 1er année/Francais/Fin de vie, suicide assisté et euthanasie.pptx
+++ b/BTS 1er année/Francais/Fin de vie, suicide assisté et euthanasie.pptx
@@ -290,7 +290,7 @@
           <a:p>
             <a:fld id="{C1510FD7-D624-451F-BBDF-DFC41B7FA672}" type="datetimeFigureOut">
               <a:rPr lang="fr-FR" smtClean="0"/>
-              <a:t>16/12/2018</a:t>
+              <a:t>09/02/2019</a:t>
             </a:fld>
             <a:endParaRPr lang="fr-FR"/>
           </a:p>
@@ -620,7 +620,7 @@
           <a:p>
             <a:fld id="{C1510FD7-D624-451F-BBDF-DFC41B7FA672}" type="datetimeFigureOut">
               <a:rPr lang="fr-FR" smtClean="0"/>
-              <a:t>16/12/2018</a:t>
+              <a:t>09/02/2019</a:t>
             </a:fld>
             <a:endParaRPr lang="fr-FR"/>
           </a:p>
@@ -800,7 +800,7 @@
           <a:p>
             <a:fld id="{C1510FD7-D624-451F-BBDF-DFC41B7FA672}" type="datetimeFigureOut">
               <a:rPr lang="fr-FR" smtClean="0"/>
-              <a:t>16/12/2018</a:t>
+              <a:t>09/02/2019</a:t>
             </a:fld>
             <a:endParaRPr lang="fr-FR"/>
           </a:p>
@@ -970,7 +970,7 @@
           <a:p>
             <a:fld id="{C1510FD7-D624-451F-BBDF-DFC41B7FA672}" type="datetimeFigureOut">
               <a:rPr lang="fr-FR" smtClean="0"/>
-              <a:t>16/12/2018</a:t>
+              <a:t>09/02/2019</a:t>
             </a:fld>
             <a:endParaRPr lang="fr-FR"/>
           </a:p>
@@ -1247,7 +1247,7 @@
           <a:p>
             <a:fld id="{C1510FD7-D624-451F-BBDF-DFC41B7FA672}" type="datetimeFigureOut">
               <a:rPr lang="fr-FR" smtClean="0"/>
-              <a:t>16/12/2018</a:t>
+              <a:t>09/02/2019</a:t>
             </a:fld>
             <a:endParaRPr lang="fr-FR"/>
           </a:p>
@@ -1641,7 +1641,7 @@
           <a:p>
             <a:fld id="{C1510FD7-D624-451F-BBDF-DFC41B7FA672}" type="datetimeFigureOut">
               <a:rPr lang="fr-FR" smtClean="0"/>
-              <a:t>16/12/2018</a:t>
+              <a:t>09/02/2019</a:t>
             </a:fld>
             <a:endParaRPr lang="fr-FR"/>
           </a:p>
@@ -2118,7 +2118,7 @@
           <a:p>
             <a:fld id="{C1510FD7-D624-451F-BBDF-DFC41B7FA672}" type="datetimeFigureOut">
               <a:rPr lang="fr-FR" smtClean="0"/>
-              <a:t>16/12/2018</a:t>
+              <a:t>09/02/2019</a:t>
             </a:fld>
             <a:endParaRPr lang="fr-FR"/>
           </a:p>
@@ -2236,7 +2236,7 @@
           <a:p>
             <a:fld id="{C1510FD7-D624-451F-BBDF-DFC41B7FA672}" type="datetimeFigureOut">
               <a:rPr lang="fr-FR" smtClean="0"/>
-              <a:t>16/12/2018</a:t>
+              <a:t>09/02/2019</a:t>
             </a:fld>
             <a:endParaRPr lang="fr-FR"/>
           </a:p>
@@ -2331,7 +2331,7 @@
           <a:p>
             <a:fld id="{C1510FD7-D624-451F-BBDF-DFC41B7FA672}" type="datetimeFigureOut">
               <a:rPr lang="fr-FR" smtClean="0"/>
-              <a:t>16/12/2018</a:t>
+              <a:t>09/02/2019</a:t>
             </a:fld>
             <a:endParaRPr lang="fr-FR"/>
           </a:p>
@@ -2677,7 +2677,7 @@
           <a:p>
             <a:fld id="{C1510FD7-D624-451F-BBDF-DFC41B7FA672}" type="datetimeFigureOut">
               <a:rPr lang="fr-FR" smtClean="0"/>
-              <a:t>16/12/2018</a:t>
+              <a:t>09/02/2019</a:t>
             </a:fld>
             <a:endParaRPr lang="fr-FR"/>
           </a:p>
@@ -3065,7 +3065,7 @@
           <a:p>
             <a:fld id="{C1510FD7-D624-451F-BBDF-DFC41B7FA672}" type="datetimeFigureOut">
               <a:rPr lang="fr-FR" smtClean="0"/>
-              <a:t>16/12/2018</a:t>
+              <a:t>09/02/2019</a:t>
             </a:fld>
             <a:endParaRPr lang="fr-FR"/>
           </a:p>
@@ -3343,7 +3343,7 @@
           <a:p>
             <a:fld id="{C1510FD7-D624-451F-BBDF-DFC41B7FA672}" type="datetimeFigureOut">
               <a:rPr lang="fr-FR" smtClean="0"/>
-              <a:t>16/12/2018</a:t>
+              <a:t>09/02/2019</a:t>
             </a:fld>
             <a:endParaRPr lang="fr-FR"/>
           </a:p>
